--- a/folien/week7.pptx
+++ b/folien/week7.pptx
@@ -247,7 +247,7 @@
           <a:p>
             <a:fld id="{21C000D9-2858-4F4C-AF5C-64F79A7C2410}" type="datetimeFigureOut">
               <a:rPr lang="en-US" smtClean="0"/>
-              <a:t>11/24/2021</a:t>
+              <a:t>5/16/2022</a:t>
             </a:fld>
             <a:endParaRPr lang="en-US"/>
           </a:p>
@@ -4081,8 +4081,8 @@
         </p:blipFill>
         <p:spPr>
           <a:xfrm>
-            <a:off x="1331640" y="915566"/>
-            <a:ext cx="6893169" cy="3819109"/>
+            <a:off x="1594654" y="915566"/>
+            <a:ext cx="7278228" cy="4032448"/>
           </a:xfrm>
           <a:prstGeom prst="rect">
             <a:avLst/>
@@ -4373,53 +4373,78 @@
           <a:bodyPr/>
           <a:lstStyle/>
           <a:p>
-            <a:r>
-              <a:rPr lang="de-DE" sz="1500" dirty="0"/>
-              <a:t>1. </a:t>
-            </a:r>
-            <a:r>
-              <a:rPr lang="de-DE" sz="1500" b="1" dirty="0"/>
+            <a:pPr>
+              <a:buFont typeface="+mj-lt"/>
+              <a:buAutoNum type="arabicPeriod"/>
+            </a:pPr>
+            <a:r>
+              <a:rPr lang="de-DE" sz="1400" dirty="0"/>
               <a:t>Untersuchen Sie die Lehrpläne Ihrer Unterrichtsfächer</a:t>
             </a:r>
-            <a:r>
-              <a:rPr lang="de-DE" sz="1500" dirty="0"/>
-              <a:t>! Finden sich in den erwarteten Kompetenzen und Inhalten Elemente kritisch-konstruktiver Didaktik (z. B. Schlüsselprobleme, Fähigkeiten)? Erörtern Sie Ihre Befunde!</a:t>
-            </a:r>
-          </a:p>
-          <a:p>
-            <a:r>
-              <a:rPr lang="de-DE" sz="1500" dirty="0"/>
-              <a:t>2. Denken Sie einmal zurück an Ihr letztes Schulpraktikum – zum Beispiel mithilfe Ihres Portfolios. Rekonstruieren Sie nun die </a:t>
-            </a:r>
-            <a:r>
-              <a:rPr lang="de-DE" sz="1500" b="1" dirty="0"/>
+          </a:p>
+          <a:p>
+            <a:pPr lvl="1"/>
+            <a:r>
+              <a:rPr lang="de-DE" sz="1400" dirty="0"/>
+              <a:t>Finden sich in den erwarteten Kompetenzen und Inhalten Elemente kritisch-konstruktiver Didaktik (z. B. Schlüsselprobleme, Fähigkeiten)? Erörtern Sie Ihre Befunde!</a:t>
+            </a:r>
+          </a:p>
+          <a:p>
+            <a:pPr>
+              <a:buFont typeface="+mj-lt"/>
+              <a:buAutoNum type="arabicPeriod"/>
+            </a:pPr>
+            <a:r>
+              <a:rPr lang="de-DE" sz="1400" dirty="0"/>
+              <a:t>Denken Sie einmal zurück an Ihr letztes Schulpraktikum – zum Beispiel mithilfe Ihres Portfolios. </a:t>
+            </a:r>
+          </a:p>
+          <a:p>
+            <a:pPr lvl="1"/>
+            <a:r>
+              <a:rPr lang="de-DE" sz="1400" dirty="0"/>
+              <a:t>Rekonstruieren Sie nun die </a:t>
+            </a:r>
+            <a:r>
+              <a:rPr lang="de-DE" sz="1400" b="1" dirty="0"/>
               <a:t>gegenwärtig zentralen Herausforderungen</a:t>
             </a:r>
             <a:r>
-              <a:rPr lang="de-DE" sz="1500" dirty="0"/>
+              <a:rPr lang="de-DE" sz="1400" dirty="0"/>
               <a:t>, die sich Ihren Schülerinnen und Schülern und dem Kollegium stellten. Diskutieren Sie, ob diese Herausforderungen ähnliche Qualitäten als </a:t>
             </a:r>
             <a:r>
-              <a:rPr lang="de-DE" sz="1500" b="1" dirty="0"/>
+              <a:rPr lang="de-DE" sz="1400" b="1" dirty="0"/>
               <a:t>Schlüsselprobleme</a:t>
             </a:r>
             <a:r>
-              <a:rPr lang="de-DE" sz="1500" dirty="0"/>
+              <a:rPr lang="de-DE" sz="1400" dirty="0"/>
               <a:t> haben, wie die der Lehrerin im Filmbeispiel. Wenn dies nicht der Fall ist: Entwickeln Sie für Ihre Schülerinnen und Schüler relevante Schüsselprobleme in Ihren Fächern! Denken Sie hierbei bitte vor allem an verdeckte Strukturen (wie z. B. unausgesprochene Behindertenfeindlichkeit, die heteronormative Haltung gegenüber Sexualität etc.).</a:t>
             </a:r>
           </a:p>
           <a:p>
-            <a:r>
-              <a:rPr lang="de-DE" sz="1500" dirty="0"/>
-              <a:t>3. Analysieren Sie </a:t>
-            </a:r>
-            <a:r>
-              <a:rPr lang="de-DE" sz="1500" b="1" dirty="0"/>
+            <a:pPr>
+              <a:buFont typeface="+mj-lt"/>
+              <a:buAutoNum type="arabicPeriod"/>
+            </a:pPr>
+            <a:r>
+              <a:rPr lang="de-DE" sz="1400" dirty="0"/>
+              <a:t>Analysieren Sie </a:t>
+            </a:r>
+            <a:r>
+              <a:rPr lang="de-DE" sz="1400" b="1" dirty="0"/>
               <a:t>die Gegenwarts- und die Zukunftsbedeutung</a:t>
             </a:r>
             <a:r>
-              <a:rPr lang="de-DE" sz="1500" dirty="0"/>
-              <a:t>, die der Inhalt dieses Artikels für Sie persönlich hat: Wurde er Ihnen zum Bildungsgehalt? Und wenn nicht: Warum nicht?</a:t>
+              <a:rPr lang="de-DE" sz="1400" dirty="0"/>
+              <a:t>, die der Inhalt dieses Artikels für Sie persönlich hat</a:t>
+            </a:r>
+          </a:p>
+          <a:p>
+            <a:pPr lvl="1"/>
+            <a:r>
+              <a:rPr lang="de-DE" sz="1400" dirty="0"/>
+              <a:t>Wurde er Ihnen zum Bildungsgehalt? Und wenn nicht: Warum nicht?</a:t>
             </a:r>
           </a:p>
         </p:txBody>
@@ -5512,64 +5537,107 @@
           <a:lstStyle/>
           <a:p>
             <a:r>
-              <a:rPr lang="de-DE" sz="1600" dirty="0"/>
+              <a:rPr lang="de-DE" sz="1800" dirty="0">
+                <a:solidFill>
+                  <a:schemeClr val="tx1"/>
+                </a:solidFill>
+              </a:rPr>
               <a:t>Ideologie</a:t>
             </a:r>
             <a:r>
-              <a:rPr lang="de-DE" sz="1600" b="1" dirty="0"/>
+              <a:rPr lang="de-DE" sz="1800" b="1" dirty="0">
+                <a:solidFill>
+                  <a:schemeClr val="tx1"/>
+                </a:solidFill>
+              </a:rPr>
               <a:t>kritische </a:t>
             </a:r>
             <a:r>
-              <a:rPr lang="de-DE" sz="1600" dirty="0"/>
+              <a:rPr lang="de-DE" sz="1800" dirty="0">
+                <a:solidFill>
+                  <a:schemeClr val="tx1"/>
+                </a:solidFill>
+              </a:rPr>
               <a:t>Wende: Pädagogik entwickelte einen Anspruch auf Emanzipation </a:t>
             </a:r>
           </a:p>
           <a:p>
             <a:pPr lvl="1"/>
             <a:r>
-              <a:rPr lang="de-DE" sz="2000" dirty="0"/>
+              <a:rPr lang="de-DE" sz="1800" dirty="0">
+                <a:latin typeface="Arial" panose="020B0604020202020204" pitchFamily="34" charset="0"/>
+                <a:cs typeface="Arial" panose="020B0604020202020204" pitchFamily="34" charset="0"/>
+              </a:rPr>
               <a:t>68er Protestbewegung</a:t>
             </a:r>
           </a:p>
           <a:p>
             <a:r>
-              <a:rPr lang="de-DE" sz="1600" dirty="0"/>
+              <a:rPr lang="de-DE" sz="1800" dirty="0">
+                <a:solidFill>
+                  <a:schemeClr val="tx1"/>
+                </a:solidFill>
+              </a:rPr>
               <a:t>Politisch-gesellschafts</a:t>
             </a:r>
             <a:r>
-              <a:rPr lang="de-DE" sz="1600" b="1" dirty="0"/>
+              <a:rPr lang="de-DE" sz="1800" b="1" dirty="0">
+                <a:solidFill>
+                  <a:schemeClr val="tx1"/>
+                </a:solidFill>
+              </a:rPr>
               <a:t>kritisch</a:t>
             </a:r>
             <a:r>
-              <a:rPr lang="de-DE" sz="1600" dirty="0"/>
+              <a:rPr lang="de-DE" sz="1800" dirty="0">
+                <a:solidFill>
+                  <a:schemeClr val="tx1"/>
+                </a:solidFill>
+              </a:rPr>
               <a:t>: Modell stabilisiert die herrschende Klassengesellschaft (autoritären und undemokratische Strukturen)</a:t>
             </a:r>
           </a:p>
           <a:p>
             <a:pPr lvl="1"/>
             <a:r>
-              <a:rPr lang="de-DE" sz="2000" dirty="0"/>
+              <a:rPr lang="de-DE" sz="1800" dirty="0">
+                <a:latin typeface="Arial" panose="020B0604020202020204" pitchFamily="34" charset="0"/>
+                <a:cs typeface="Arial" panose="020B0604020202020204" pitchFamily="34" charset="0"/>
+              </a:rPr>
               <a:t>Frankfurter Schule: Adorno, Horkheimer, Habermas</a:t>
             </a:r>
           </a:p>
           <a:p>
             <a:pPr lvl="1"/>
             <a:r>
-              <a:rPr lang="de-DE" sz="2000" dirty="0"/>
+              <a:rPr lang="de-DE" sz="1800" dirty="0">
+                <a:latin typeface="Arial" panose="020B0604020202020204" pitchFamily="34" charset="0"/>
+                <a:cs typeface="Arial" panose="020B0604020202020204" pitchFamily="34" charset="0"/>
+              </a:rPr>
               <a:t>Einseitige Berufsvorbereitung (</a:t>
             </a:r>
             <a:r>
-              <a:rPr lang="de-DE" sz="2000" dirty="0" err="1"/>
+              <a:rPr lang="de-DE" sz="1800" dirty="0" err="1">
+                <a:latin typeface="Arial" panose="020B0604020202020204" pitchFamily="34" charset="0"/>
+                <a:cs typeface="Arial" panose="020B0604020202020204" pitchFamily="34" charset="0"/>
+              </a:rPr>
               <a:t>Cold</a:t>
             </a:r>
             <a:r>
-              <a:rPr lang="de-DE" sz="2000" dirty="0"/>
+              <a:rPr lang="de-DE" sz="1800" dirty="0">
+                <a:latin typeface="Arial" panose="020B0604020202020204" pitchFamily="34" charset="0"/>
+                <a:cs typeface="Arial" panose="020B0604020202020204" pitchFamily="34" charset="0"/>
+              </a:rPr>
               <a:t> war)</a:t>
             </a:r>
           </a:p>
           <a:p>
             <a:r>
-              <a:rPr lang="de-DE" sz="1600" dirty="0"/>
+              <a:rPr lang="de-DE" sz="1800" dirty="0">
+                <a:solidFill>
+                  <a:schemeClr val="tx1"/>
+                </a:solidFill>
+              </a:rPr>
               <a:t>Vernachlässigung der unterrichtsmethodischen Fragen  </a:t>
             </a:r>
           </a:p>
@@ -5779,7 +5847,7 @@
 </file>
 
 <file path=ppt/slides/slide8.xml><?xml version="1.0" encoding="utf-8"?>
-<p:sld xmlns:a="http://schemas.openxmlformats.org/drawingml/2006/main" xmlns:r="http://schemas.openxmlformats.org/officeDocument/2006/relationships" xmlns:p="http://schemas.openxmlformats.org/presentationml/2006/main" show="0">
+<p:sld xmlns:a="http://schemas.openxmlformats.org/drawingml/2006/main" xmlns:r="http://schemas.openxmlformats.org/officeDocument/2006/relationships" xmlns:p="http://schemas.openxmlformats.org/presentationml/2006/main">
   <p:cSld>
     <p:spTree>
       <p:nvGrpSpPr>

--- a/folien/week7.pptx
+++ b/folien/week7.pptx
@@ -247,7 +247,7 @@
           <a:p>
             <a:fld id="{21C000D9-2858-4F4C-AF5C-64F79A7C2410}" type="datetimeFigureOut">
               <a:rPr lang="en-US" smtClean="0"/>
-              <a:t>5/16/2022</a:t>
+              <a:t>5/23/2022</a:t>
             </a:fld>
             <a:endParaRPr lang="en-US"/>
           </a:p>
@@ -3416,12 +3416,16 @@
               <a:buNone/>
             </a:pPr>
             <a:r>
-              <a:rPr lang="de-DE" sz="2000" dirty="0">
-                <a:latin typeface="Arial" panose="020B0604020202020204" pitchFamily="34" charset="0"/>
-                <a:cs typeface="Arial" panose="020B0604020202020204" pitchFamily="34" charset="0"/>
-              </a:rPr>
-              <a:t>11.23.21</a:t>
-            </a:r>
+              <a:rPr lang="de-DE" sz="2000">
+                <a:latin typeface="Arial" panose="020B0604020202020204" pitchFamily="34" charset="0"/>
+                <a:cs typeface="Arial" panose="020B0604020202020204" pitchFamily="34" charset="0"/>
+              </a:rPr>
+              <a:t>5.17.22</a:t>
+            </a:r>
+            <a:endParaRPr lang="de-DE" sz="2000" dirty="0">
+              <a:latin typeface="Arial" panose="020B0604020202020204" pitchFamily="34" charset="0"/>
+              <a:cs typeface="Arial" panose="020B0604020202020204" pitchFamily="34" charset="0"/>
+            </a:endParaRPr>
           </a:p>
         </p:txBody>
       </p:sp>
